--- a/Northwind Traders - Sales Strategy Analysis.pptx
+++ b/Northwind Traders - Sales Strategy Analysis.pptx
@@ -5,7 +5,7 @@
     <p:sldMasterId id="2147483648" r:id="rId1"/>
   </p:sldMasterIdLst>
   <p:notesMasterIdLst>
-    <p:notesMasterId r:id="rId13"/>
+    <p:notesMasterId r:id="rId14"/>
   </p:notesMasterIdLst>
   <p:sldIdLst>
     <p:sldId id="256" r:id="rId2"/>
@@ -18,7 +18,8 @@
     <p:sldId id="268" r:id="rId9"/>
     <p:sldId id="275" r:id="rId10"/>
     <p:sldId id="265" r:id="rId11"/>
-    <p:sldId id="277" r:id="rId12"/>
+    <p:sldId id="278" r:id="rId12"/>
+    <p:sldId id="277" r:id="rId13"/>
   </p:sldIdLst>
   <p:sldSz cx="12192000" cy="6858000"/>
   <p:notesSz cx="6858000" cy="9144000"/>
@@ -707,19 +708,24 @@
           <a:bodyPr/>
           <a:lstStyle/>
           <a:p>
-            <a:r>
-              <a:rPr lang="en-US" sz="1000" dirty="0"/>
-              <a:t>And with this, we conclude the first study of factors that are impacting Northwind sales levels.</a:t>
-            </a:r>
-          </a:p>
-          <a:p>
-            <a:endParaRPr lang="en-US" sz="1000" dirty="0"/>
-          </a:p>
-          <a:p>
-            <a:r>
-              <a:rPr lang="en-US" sz="1000" dirty="0"/>
-              <a:t>Thank you! </a:t>
-            </a:r>
+            <a:pPr marL="0" marR="0" lvl="0" indent="0" algn="l" defTabSz="914400" rtl="0" eaLnBrk="1" fontAlgn="auto" latinLnBrk="0" hangingPunct="1">
+              <a:lnSpc>
+                <a:spcPct val="100000"/>
+              </a:lnSpc>
+              <a:spcBef>
+                <a:spcPts val="0"/>
+              </a:spcBef>
+              <a:spcAft>
+                <a:spcPts val="0"/>
+              </a:spcAft>
+              <a:buClrTx/>
+              <a:buSzTx/>
+              <a:buFontTx/>
+              <a:buNone/>
+              <a:tabLst/>
+              <a:defRPr/>
+            </a:pPr>
+            <a:endParaRPr lang="en-US" dirty="0"/>
           </a:p>
         </p:txBody>
       </p:sp>
@@ -741,6 +747,102 @@
             <a:fld id="{2B60FBBA-6B5C-405C-81CD-81B6C531BD15}" type="slidenum">
               <a:rPr lang="en-US" smtClean="0"/>
               <a:t>11</a:t>
+            </a:fld>
+            <a:endParaRPr lang="en-US"/>
+          </a:p>
+        </p:txBody>
+      </p:sp>
+    </p:spTree>
+    <p:extLst>
+      <p:ext uri="{BB962C8B-B14F-4D97-AF65-F5344CB8AC3E}">
+        <p14:creationId xmlns:p14="http://schemas.microsoft.com/office/powerpoint/2010/main" val="2994427071"/>
+      </p:ext>
+    </p:extLst>
+  </p:cSld>
+  <p:clrMapOvr>
+    <a:masterClrMapping/>
+  </p:clrMapOvr>
+</p:notes>
+</file>
+
+<file path=ppt/notesSlides/notesSlide12.xml><?xml version="1.0" encoding="utf-8"?>
+<p:notes xmlns:a="http://schemas.openxmlformats.org/drawingml/2006/main" xmlns:r="http://schemas.openxmlformats.org/officeDocument/2006/relationships" xmlns:p="http://schemas.openxmlformats.org/presentationml/2006/main">
+  <p:cSld>
+    <p:spTree>
+      <p:nvGrpSpPr>
+        <p:cNvPr id="1" name=""/>
+        <p:cNvGrpSpPr/>
+        <p:nvPr/>
+      </p:nvGrpSpPr>
+      <p:grpSpPr>
+        <a:xfrm>
+          <a:off x="0" y="0"/>
+          <a:ext cx="0" cy="0"/>
+          <a:chOff x="0" y="0"/>
+          <a:chExt cx="0" cy="0"/>
+        </a:xfrm>
+      </p:grpSpPr>
+      <p:sp>
+        <p:nvSpPr>
+          <p:cNvPr id="2" name="Slide Image Placeholder 1"/>
+          <p:cNvSpPr>
+            <a:spLocks noGrp="1" noRot="1" noChangeAspect="1"/>
+          </p:cNvSpPr>
+          <p:nvPr>
+            <p:ph type="sldImg"/>
+          </p:nvPr>
+        </p:nvSpPr>
+        <p:spPr/>
+      </p:sp>
+      <p:sp>
+        <p:nvSpPr>
+          <p:cNvPr id="3" name="Notes Placeholder 2"/>
+          <p:cNvSpPr>
+            <a:spLocks noGrp="1"/>
+          </p:cNvSpPr>
+          <p:nvPr>
+            <p:ph type="body" idx="1"/>
+          </p:nvPr>
+        </p:nvSpPr>
+        <p:spPr/>
+        <p:txBody>
+          <a:bodyPr/>
+          <a:lstStyle/>
+          <a:p>
+            <a:r>
+              <a:rPr lang="en-US" sz="1000" dirty="0"/>
+              <a:t>And with this, we conclude the first study of factors that are impacting Northwind sales levels.</a:t>
+            </a:r>
+          </a:p>
+          <a:p>
+            <a:endParaRPr lang="en-US" sz="1000" dirty="0"/>
+          </a:p>
+          <a:p>
+            <a:r>
+              <a:rPr lang="en-US" sz="1000" dirty="0"/>
+              <a:t>Thank you! </a:t>
+            </a:r>
+          </a:p>
+        </p:txBody>
+      </p:sp>
+      <p:sp>
+        <p:nvSpPr>
+          <p:cNvPr id="4" name="Slide Number Placeholder 3"/>
+          <p:cNvSpPr>
+            <a:spLocks noGrp="1"/>
+          </p:cNvSpPr>
+          <p:nvPr>
+            <p:ph type="sldNum" sz="quarter" idx="5"/>
+          </p:nvPr>
+        </p:nvSpPr>
+        <p:spPr/>
+        <p:txBody>
+          <a:bodyPr/>
+          <a:lstStyle/>
+          <a:p>
+            <a:fld id="{2B60FBBA-6B5C-405C-81CD-81B6C531BD15}" type="slidenum">
+              <a:rPr lang="en-US" smtClean="0"/>
+              <a:t>12</a:t>
             </a:fld>
             <a:endParaRPr lang="en-US"/>
           </a:p>
@@ -5395,6 +5497,166 @@
 </file>
 
 <file path=ppt/slides/slide11.xml><?xml version="1.0" encoding="utf-8"?>
+<p:sld xmlns:a="http://schemas.openxmlformats.org/drawingml/2006/main" xmlns:r="http://schemas.openxmlformats.org/officeDocument/2006/relationships" xmlns:p="http://schemas.openxmlformats.org/presentationml/2006/main">
+  <p:cSld>
+    <p:spTree>
+      <p:nvGrpSpPr>
+        <p:cNvPr id="1" name=""/>
+        <p:cNvGrpSpPr/>
+        <p:nvPr/>
+      </p:nvGrpSpPr>
+      <p:grpSpPr>
+        <a:xfrm>
+          <a:off x="0" y="0"/>
+          <a:ext cx="0" cy="0"/>
+          <a:chOff x="0" y="0"/>
+          <a:chExt cx="0" cy="0"/>
+        </a:xfrm>
+      </p:grpSpPr>
+      <p:sp>
+        <p:nvSpPr>
+          <p:cNvPr id="19" name="Rectangle 18">
+            <a:extLst>
+              <a:ext uri="{FF2B5EF4-FFF2-40B4-BE49-F238E27FC236}">
+                <a16:creationId xmlns:a16="http://schemas.microsoft.com/office/drawing/2014/main" id="{B69DA505-2A09-45B1-A2E2-83945C7C94E8}"/>
+              </a:ext>
+            </a:extLst>
+          </p:cNvPr>
+          <p:cNvSpPr/>
+          <p:nvPr/>
+        </p:nvSpPr>
+        <p:spPr>
+          <a:xfrm>
+            <a:off x="1019908" y="824183"/>
+            <a:ext cx="10216661" cy="5292969"/>
+          </a:xfrm>
+          <a:prstGeom prst="rect">
+            <a:avLst/>
+          </a:prstGeom>
+          <a:noFill/>
+          <a:ln>
+            <a:noFill/>
+          </a:ln>
+        </p:spPr>
+        <p:style>
+          <a:lnRef idx="2">
+            <a:schemeClr val="accent1">
+              <a:shade val="50000"/>
+            </a:schemeClr>
+          </a:lnRef>
+          <a:fillRef idx="1">
+            <a:schemeClr val="accent1"/>
+          </a:fillRef>
+          <a:effectRef idx="0">
+            <a:schemeClr val="accent1"/>
+          </a:effectRef>
+          <a:fontRef idx="minor">
+            <a:schemeClr val="lt1"/>
+          </a:fontRef>
+        </p:style>
+        <p:txBody>
+          <a:bodyPr rtlCol="0" anchor="t"/>
+          <a:lstStyle/>
+          <a:p>
+            <a:pPr algn="ctr"/>
+            <a:r>
+              <a:rPr lang="en-US" sz="3200" b="1" dirty="0">
+                <a:solidFill>
+                  <a:schemeClr val="tx1"/>
+                </a:solidFill>
+              </a:rPr>
+              <a:t>Future Work</a:t>
+            </a:r>
+            <a:endParaRPr lang="en-US" b="1" dirty="0">
+              <a:solidFill>
+                <a:schemeClr val="tx1"/>
+              </a:solidFill>
+            </a:endParaRPr>
+          </a:p>
+        </p:txBody>
+      </p:sp>
+      <p:sp>
+        <p:nvSpPr>
+          <p:cNvPr id="21" name="TextBox 20">
+            <a:extLst>
+              <a:ext uri="{FF2B5EF4-FFF2-40B4-BE49-F238E27FC236}">
+                <a16:creationId xmlns:a16="http://schemas.microsoft.com/office/drawing/2014/main" id="{C418F15F-594A-4152-968E-77D6DDD326ED}"/>
+              </a:ext>
+            </a:extLst>
+          </p:cNvPr>
+          <p:cNvSpPr txBox="1"/>
+          <p:nvPr/>
+        </p:nvSpPr>
+        <p:spPr>
+          <a:xfrm>
+            <a:off x="1809217" y="1918979"/>
+            <a:ext cx="8638042" cy="1295868"/>
+          </a:xfrm>
+          <a:prstGeom prst="rect">
+            <a:avLst/>
+          </a:prstGeom>
+          <a:noFill/>
+        </p:spPr>
+        <p:txBody>
+          <a:bodyPr wrap="square" rtlCol="0">
+            <a:spAutoFit/>
+          </a:bodyPr>
+          <a:lstStyle/>
+          <a:p>
+            <a:pPr marL="342900" indent="-342900">
+              <a:lnSpc>
+                <a:spcPct val="150000"/>
+              </a:lnSpc>
+              <a:buFont typeface="Wingdings" panose="05000000000000000000" pitchFamily="2" charset="2"/>
+              <a:buChar char="Ø"/>
+            </a:pPr>
+            <a:r>
+              <a:rPr lang="en-US" dirty="0"/>
+              <a:t>Study customer loyalty, customer retention and rate of growth</a:t>
+            </a:r>
+          </a:p>
+          <a:p>
+            <a:pPr marL="342900" indent="-342900">
+              <a:lnSpc>
+                <a:spcPct val="150000"/>
+              </a:lnSpc>
+              <a:buFont typeface="Wingdings" panose="05000000000000000000" pitchFamily="2" charset="2"/>
+              <a:buChar char="Ø"/>
+            </a:pPr>
+            <a:r>
+              <a:rPr lang="en-US" dirty="0"/>
+              <a:t>Study if there are certain products consumed significantly in a particular country</a:t>
+            </a:r>
+          </a:p>
+          <a:p>
+            <a:pPr marL="342900" indent="-342900">
+              <a:lnSpc>
+                <a:spcPct val="150000"/>
+              </a:lnSpc>
+              <a:buFont typeface="Wingdings" panose="05000000000000000000" pitchFamily="2" charset="2"/>
+              <a:buChar char="Ø"/>
+            </a:pPr>
+            <a:r>
+              <a:rPr lang="en-US" dirty="0"/>
+              <a:t>Gather more data to be able to study product specific behavior </a:t>
+            </a:r>
+          </a:p>
+        </p:txBody>
+      </p:sp>
+    </p:spTree>
+    <p:extLst>
+      <p:ext uri="{BB962C8B-B14F-4D97-AF65-F5344CB8AC3E}">
+        <p14:creationId xmlns:p14="http://schemas.microsoft.com/office/powerpoint/2010/main" val="2914411274"/>
+      </p:ext>
+    </p:extLst>
+  </p:cSld>
+  <p:clrMapOvr>
+    <a:masterClrMapping/>
+  </p:clrMapOvr>
+</p:sld>
+</file>
+
+<file path=ppt/slides/slide12.xml><?xml version="1.0" encoding="utf-8"?>
 <p:sld xmlns:a="http://schemas.openxmlformats.org/drawingml/2006/main" xmlns:r="http://schemas.openxmlformats.org/officeDocument/2006/relationships" xmlns:p="http://schemas.openxmlformats.org/presentationml/2006/main">
   <p:cSld>
     <p:spTree>
